--- a/Phase 4/Stock API Using Express JS   - Phase 3 end project screen short - Copy.pptx
+++ b/Phase 4/Stock API Using Express JS   - Phase 3 end project screen short - Copy.pptx
@@ -12,18 +12,22 @@
     <p:sldId id="291" r:id="rId6"/>
     <p:sldId id="295" r:id="rId7"/>
     <p:sldId id="296" r:id="rId8"/>
-    <p:sldId id="297" r:id="rId9"/>
-    <p:sldId id="298" r:id="rId10"/>
-    <p:sldId id="314" r:id="rId11"/>
-    <p:sldId id="315" r:id="rId12"/>
-    <p:sldId id="300" r:id="rId13"/>
-    <p:sldId id="316" r:id="rId14"/>
-    <p:sldId id="317" r:id="rId15"/>
-    <p:sldId id="318" r:id="rId16"/>
-    <p:sldId id="319" r:id="rId17"/>
-    <p:sldId id="321" r:id="rId18"/>
-    <p:sldId id="322" r:id="rId19"/>
-    <p:sldId id="323" r:id="rId20"/>
+    <p:sldId id="324" r:id="rId9"/>
+    <p:sldId id="325" r:id="rId10"/>
+    <p:sldId id="326" r:id="rId11"/>
+    <p:sldId id="327" r:id="rId12"/>
+    <p:sldId id="297" r:id="rId13"/>
+    <p:sldId id="298" r:id="rId14"/>
+    <p:sldId id="314" r:id="rId15"/>
+    <p:sldId id="315" r:id="rId16"/>
+    <p:sldId id="300" r:id="rId17"/>
+    <p:sldId id="316" r:id="rId18"/>
+    <p:sldId id="317" r:id="rId19"/>
+    <p:sldId id="318" r:id="rId20"/>
+    <p:sldId id="319" r:id="rId21"/>
+    <p:sldId id="321" r:id="rId22"/>
+    <p:sldId id="322" r:id="rId23"/>
+    <p:sldId id="323" r:id="rId24"/>
   </p:sldIdLst>
   <p:sldSz cx="12192000" cy="6858000"/>
   <p:notesSz cx="6858000" cy="9144000"/>
@@ -259,7 +263,7 @@
           <a:p>
             <a:fld id="{95CF35B4-8310-4B5F-9FCA-57652201825D}" type="datetimeFigureOut">
               <a:rPr lang="en-US" smtClean="0"/>
-              <a:t>11/25/2023</a:t>
+              <a:t>11/27/2023</a:t>
             </a:fld>
             <a:endParaRPr lang="en-US"/>
           </a:p>
@@ -427,7 +431,7 @@
           <a:p>
             <a:fld id="{95CF35B4-8310-4B5F-9FCA-57652201825D}" type="datetimeFigureOut">
               <a:rPr lang="en-US" smtClean="0"/>
-              <a:t>11/25/2023</a:t>
+              <a:t>11/27/2023</a:t>
             </a:fld>
             <a:endParaRPr lang="en-US"/>
           </a:p>
@@ -605,7 +609,7 @@
           <a:p>
             <a:fld id="{95CF35B4-8310-4B5F-9FCA-57652201825D}" type="datetimeFigureOut">
               <a:rPr lang="en-US" smtClean="0"/>
-              <a:t>11/25/2023</a:t>
+              <a:t>11/27/2023</a:t>
             </a:fld>
             <a:endParaRPr lang="en-US"/>
           </a:p>
@@ -773,7 +777,7 @@
           <a:p>
             <a:fld id="{95CF35B4-8310-4B5F-9FCA-57652201825D}" type="datetimeFigureOut">
               <a:rPr lang="en-US" smtClean="0"/>
-              <a:t>11/25/2023</a:t>
+              <a:t>11/27/2023</a:t>
             </a:fld>
             <a:endParaRPr lang="en-US"/>
           </a:p>
@@ -1018,7 +1022,7 @@
           <a:p>
             <a:fld id="{95CF35B4-8310-4B5F-9FCA-57652201825D}" type="datetimeFigureOut">
               <a:rPr lang="en-US" smtClean="0"/>
-              <a:t>11/25/2023</a:t>
+              <a:t>11/27/2023</a:t>
             </a:fld>
             <a:endParaRPr lang="en-US"/>
           </a:p>
@@ -1247,7 +1251,7 @@
           <a:p>
             <a:fld id="{95CF35B4-8310-4B5F-9FCA-57652201825D}" type="datetimeFigureOut">
               <a:rPr lang="en-US" smtClean="0"/>
-              <a:t>11/25/2023</a:t>
+              <a:t>11/27/2023</a:t>
             </a:fld>
             <a:endParaRPr lang="en-US"/>
           </a:p>
@@ -1611,7 +1615,7 @@
           <a:p>
             <a:fld id="{95CF35B4-8310-4B5F-9FCA-57652201825D}" type="datetimeFigureOut">
               <a:rPr lang="en-US" smtClean="0"/>
-              <a:t>11/25/2023</a:t>
+              <a:t>11/27/2023</a:t>
             </a:fld>
             <a:endParaRPr lang="en-US"/>
           </a:p>
@@ -1728,7 +1732,7 @@
           <a:p>
             <a:fld id="{95CF35B4-8310-4B5F-9FCA-57652201825D}" type="datetimeFigureOut">
               <a:rPr lang="en-US" smtClean="0"/>
-              <a:t>11/25/2023</a:t>
+              <a:t>11/27/2023</a:t>
             </a:fld>
             <a:endParaRPr lang="en-US"/>
           </a:p>
@@ -1823,7 +1827,7 @@
           <a:p>
             <a:fld id="{95CF35B4-8310-4B5F-9FCA-57652201825D}" type="datetimeFigureOut">
               <a:rPr lang="en-US" smtClean="0"/>
-              <a:t>11/25/2023</a:t>
+              <a:t>11/27/2023</a:t>
             </a:fld>
             <a:endParaRPr lang="en-US"/>
           </a:p>
@@ -2098,7 +2102,7 @@
           <a:p>
             <a:fld id="{95CF35B4-8310-4B5F-9FCA-57652201825D}" type="datetimeFigureOut">
               <a:rPr lang="en-US" smtClean="0"/>
-              <a:t>11/25/2023</a:t>
+              <a:t>11/27/2023</a:t>
             </a:fld>
             <a:endParaRPr lang="en-US"/>
           </a:p>
@@ -2350,7 +2354,7 @@
           <a:p>
             <a:fld id="{95CF35B4-8310-4B5F-9FCA-57652201825D}" type="datetimeFigureOut">
               <a:rPr lang="en-US" smtClean="0"/>
-              <a:t>11/25/2023</a:t>
+              <a:t>11/27/2023</a:t>
             </a:fld>
             <a:endParaRPr lang="en-US"/>
           </a:p>
@@ -2561,7 +2565,7 @@
           <a:p>
             <a:fld id="{95CF35B4-8310-4B5F-9FCA-57652201825D}" type="datetimeFigureOut">
               <a:rPr lang="en-US" smtClean="0"/>
-              <a:t>11/25/2023</a:t>
+              <a:t>11/27/2023</a:t>
             </a:fld>
             <a:endParaRPr lang="en-US"/>
           </a:p>
@@ -3042,6 +3046,421 @@
           <p:cNvPr id="2" name="Title 1">
             <a:extLst>
               <a:ext uri="{FF2B5EF4-FFF2-40B4-BE49-F238E27FC236}">
+                <a16:creationId xmlns:a16="http://schemas.microsoft.com/office/drawing/2014/main" id="{72C054E0-55F1-FDF2-CF10-6CC920B26B12}"/>
+              </a:ext>
+            </a:extLst>
+          </p:cNvPr>
+          <p:cNvSpPr>
+            <a:spLocks noGrp="1"/>
+          </p:cNvSpPr>
+          <p:nvPr>
+            <p:ph type="title"/>
+          </p:nvPr>
+        </p:nvSpPr>
+        <p:spPr/>
+        <p:txBody>
+          <a:bodyPr/>
+          <a:lstStyle/>
+          <a:p>
+            <a:r>
+              <a:rPr lang="en-IN" dirty="0"/>
+              <a:t>https://finnhub.io/dashboard</a:t>
+            </a:r>
+          </a:p>
+        </p:txBody>
+      </p:sp>
+      <p:pic>
+        <p:nvPicPr>
+          <p:cNvPr id="5" name="Content Placeholder 4">
+            <a:extLst>
+              <a:ext uri="{FF2B5EF4-FFF2-40B4-BE49-F238E27FC236}">
+                <a16:creationId xmlns:a16="http://schemas.microsoft.com/office/drawing/2014/main" id="{DCA28762-0D55-1776-8B1B-5C9C933F884E}"/>
+              </a:ext>
+            </a:extLst>
+          </p:cNvPr>
+          <p:cNvPicPr>
+            <a:picLocks noGrp="1" noChangeAspect="1"/>
+          </p:cNvPicPr>
+          <p:nvPr>
+            <p:ph idx="1"/>
+          </p:nvPr>
+        </p:nvPicPr>
+        <p:blipFill>
+          <a:blip r:embed="rId2"/>
+          <a:stretch>
+            <a:fillRect/>
+          </a:stretch>
+        </p:blipFill>
+        <p:spPr>
+          <a:xfrm>
+            <a:off x="1668452" y="1825625"/>
+            <a:ext cx="8855095" cy="4351338"/>
+          </a:xfrm>
+        </p:spPr>
+      </p:pic>
+    </p:spTree>
+    <p:extLst>
+      <p:ext uri="{BB962C8B-B14F-4D97-AF65-F5344CB8AC3E}">
+        <p14:creationId xmlns:p14="http://schemas.microsoft.com/office/powerpoint/2010/main" val="3798292401"/>
+      </p:ext>
+    </p:extLst>
+  </p:cSld>
+  <p:clrMapOvr>
+    <a:masterClrMapping/>
+  </p:clrMapOvr>
+</p:sld>
+</file>
+
+<file path=ppt/slides/slide11.xml><?xml version="1.0" encoding="utf-8"?>
+<p:sld xmlns:a="http://schemas.openxmlformats.org/drawingml/2006/main" xmlns:r="http://schemas.openxmlformats.org/officeDocument/2006/relationships" xmlns:p="http://schemas.openxmlformats.org/presentationml/2006/main">
+  <p:cSld>
+    <p:spTree>
+      <p:nvGrpSpPr>
+        <p:cNvPr id="1" name=""/>
+        <p:cNvGrpSpPr/>
+        <p:nvPr/>
+      </p:nvGrpSpPr>
+      <p:grpSpPr>
+        <a:xfrm>
+          <a:off x="0" y="0"/>
+          <a:ext cx="0" cy="0"/>
+          <a:chOff x="0" y="0"/>
+          <a:chExt cx="0" cy="0"/>
+        </a:xfrm>
+      </p:grpSpPr>
+      <p:sp>
+        <p:nvSpPr>
+          <p:cNvPr id="2" name="Title 1">
+            <a:extLst>
+              <a:ext uri="{FF2B5EF4-FFF2-40B4-BE49-F238E27FC236}">
+                <a16:creationId xmlns:a16="http://schemas.microsoft.com/office/drawing/2014/main" id="{5E1BDAE5-361A-A083-9880-E44C7729F930}"/>
+              </a:ext>
+            </a:extLst>
+          </p:cNvPr>
+          <p:cNvSpPr>
+            <a:spLocks noGrp="1"/>
+          </p:cNvSpPr>
+          <p:nvPr>
+            <p:ph type="title"/>
+          </p:nvPr>
+        </p:nvSpPr>
+        <p:spPr/>
+        <p:txBody>
+          <a:bodyPr/>
+          <a:lstStyle/>
+          <a:p>
+            <a:r>
+              <a:rPr lang="en-IN" dirty="0"/>
+              <a:t>Copy and paste token in stockModel.js file in line number 4. </a:t>
+            </a:r>
+          </a:p>
+        </p:txBody>
+      </p:sp>
+      <p:pic>
+        <p:nvPicPr>
+          <p:cNvPr id="5" name="Content Placeholder 4">
+            <a:extLst>
+              <a:ext uri="{FF2B5EF4-FFF2-40B4-BE49-F238E27FC236}">
+                <a16:creationId xmlns:a16="http://schemas.microsoft.com/office/drawing/2014/main" id="{36924EFA-AD81-F17F-2FFA-6CCEF4D26D55}"/>
+              </a:ext>
+            </a:extLst>
+          </p:cNvPr>
+          <p:cNvPicPr>
+            <a:picLocks noGrp="1" noChangeAspect="1"/>
+          </p:cNvPicPr>
+          <p:nvPr>
+            <p:ph idx="1"/>
+          </p:nvPr>
+        </p:nvPicPr>
+        <p:blipFill>
+          <a:blip r:embed="rId2"/>
+          <a:stretch>
+            <a:fillRect/>
+          </a:stretch>
+        </p:blipFill>
+        <p:spPr>
+          <a:xfrm>
+            <a:off x="1992908" y="1825625"/>
+            <a:ext cx="8206183" cy="4351338"/>
+          </a:xfrm>
+        </p:spPr>
+      </p:pic>
+    </p:spTree>
+    <p:extLst>
+      <p:ext uri="{BB962C8B-B14F-4D97-AF65-F5344CB8AC3E}">
+        <p14:creationId xmlns:p14="http://schemas.microsoft.com/office/powerpoint/2010/main" val="4186015296"/>
+      </p:ext>
+    </p:extLst>
+  </p:cSld>
+  <p:clrMapOvr>
+    <a:masterClrMapping/>
+  </p:clrMapOvr>
+</p:sld>
+</file>
+
+<file path=ppt/slides/slide12.xml><?xml version="1.0" encoding="utf-8"?>
+<p:sld xmlns:a="http://schemas.openxmlformats.org/drawingml/2006/main" xmlns:r="http://schemas.openxmlformats.org/officeDocument/2006/relationships" xmlns:p="http://schemas.openxmlformats.org/presentationml/2006/main">
+  <p:cSld>
+    <p:spTree>
+      <p:nvGrpSpPr>
+        <p:cNvPr id="1" name=""/>
+        <p:cNvGrpSpPr/>
+        <p:nvPr/>
+      </p:nvGrpSpPr>
+      <p:grpSpPr>
+        <a:xfrm>
+          <a:off x="0" y="0"/>
+          <a:ext cx="0" cy="0"/>
+          <a:chOff x="0" y="0"/>
+          <a:chExt cx="0" cy="0"/>
+        </a:xfrm>
+      </p:grpSpPr>
+      <p:sp>
+        <p:nvSpPr>
+          <p:cNvPr id="2" name="Title 1"/>
+          <p:cNvSpPr>
+            <a:spLocks noGrp="1"/>
+          </p:cNvSpPr>
+          <p:nvPr>
+            <p:ph type="title"/>
+          </p:nvPr>
+        </p:nvSpPr>
+        <p:spPr/>
+        <p:txBody>
+          <a:bodyPr/>
+          <a:lstStyle/>
+          <a:p>
+            <a:r>
+              <a:rPr lang="en-US" dirty="0"/>
+              <a:t>Now run the app.js file using command as </a:t>
+            </a:r>
+          </a:p>
+        </p:txBody>
+      </p:sp>
+      <p:sp>
+        <p:nvSpPr>
+          <p:cNvPr id="3" name="Content Placeholder 2"/>
+          <p:cNvSpPr>
+            <a:spLocks noGrp="1"/>
+          </p:cNvSpPr>
+          <p:nvPr>
+            <p:ph idx="1"/>
+          </p:nvPr>
+        </p:nvSpPr>
+        <p:spPr>
+          <a:xfrm>
+            <a:off x="838200" y="1825625"/>
+            <a:ext cx="10347036" cy="1148484"/>
+          </a:xfrm>
+        </p:spPr>
+        <p:txBody>
+          <a:bodyPr/>
+          <a:lstStyle/>
+          <a:p>
+            <a:r>
+              <a:rPr lang="en-US" dirty="0"/>
+              <a:t>node app.js 	or      </a:t>
+            </a:r>
+            <a:r>
+              <a:rPr lang="en-US" dirty="0" err="1"/>
+              <a:t>nodemon</a:t>
+            </a:r>
+            <a:r>
+              <a:rPr lang="en-US" dirty="0"/>
+              <a:t> app.js (before running this command install </a:t>
+            </a:r>
+            <a:r>
+              <a:rPr lang="en-US" dirty="0" err="1"/>
+              <a:t>npm</a:t>
+            </a:r>
+            <a:r>
+              <a:rPr lang="en-US" dirty="0"/>
+              <a:t> install –g </a:t>
+            </a:r>
+            <a:r>
+              <a:rPr lang="en-US" dirty="0" err="1"/>
+              <a:t>nodemon</a:t>
+            </a:r>
+            <a:r>
+              <a:rPr lang="en-US" dirty="0"/>
+              <a:t> </a:t>
+            </a:r>
+          </a:p>
+        </p:txBody>
+      </p:sp>
+      <p:pic>
+        <p:nvPicPr>
+          <p:cNvPr id="6" name="Picture 5">
+            <a:extLst>
+              <a:ext uri="{FF2B5EF4-FFF2-40B4-BE49-F238E27FC236}">
+                <a16:creationId xmlns:a16="http://schemas.microsoft.com/office/drawing/2014/main" id="{87A93331-9445-1AE1-B1E6-C8FEC64C9944}"/>
+              </a:ext>
+            </a:extLst>
+          </p:cNvPr>
+          <p:cNvPicPr>
+            <a:picLocks noChangeAspect="1"/>
+          </p:cNvPicPr>
+          <p:nvPr/>
+        </p:nvPicPr>
+        <p:blipFill>
+          <a:blip r:embed="rId2"/>
+          <a:stretch>
+            <a:fillRect/>
+          </a:stretch>
+        </p:blipFill>
+        <p:spPr>
+          <a:xfrm>
+            <a:off x="1244350" y="3291049"/>
+            <a:ext cx="9703299" cy="2540131"/>
+          </a:xfrm>
+          <a:prstGeom prst="rect">
+            <a:avLst/>
+          </a:prstGeom>
+        </p:spPr>
+      </p:pic>
+    </p:spTree>
+    <p:extLst>
+      <p:ext uri="{BB962C8B-B14F-4D97-AF65-F5344CB8AC3E}">
+        <p14:creationId xmlns:p14="http://schemas.microsoft.com/office/powerpoint/2010/main" val="3193240903"/>
+      </p:ext>
+    </p:extLst>
+  </p:cSld>
+  <p:clrMapOvr>
+    <a:masterClrMapping/>
+  </p:clrMapOvr>
+</p:sld>
+</file>
+
+<file path=ppt/slides/slide13.xml><?xml version="1.0" encoding="utf-8"?>
+<p:sld xmlns:a="http://schemas.openxmlformats.org/drawingml/2006/main" xmlns:r="http://schemas.openxmlformats.org/officeDocument/2006/relationships" xmlns:p="http://schemas.openxmlformats.org/presentationml/2006/main">
+  <p:cSld>
+    <p:spTree>
+      <p:nvGrpSpPr>
+        <p:cNvPr id="1" name=""/>
+        <p:cNvGrpSpPr/>
+        <p:nvPr/>
+      </p:nvGrpSpPr>
+      <p:grpSpPr>
+        <a:xfrm>
+          <a:off x="0" y="0"/>
+          <a:ext cx="0" cy="0"/>
+          <a:chOff x="0" y="0"/>
+          <a:chExt cx="0" cy="0"/>
+        </a:xfrm>
+      </p:grpSpPr>
+      <p:sp>
+        <p:nvSpPr>
+          <p:cNvPr id="2" name="Title 1"/>
+          <p:cNvSpPr>
+            <a:spLocks noGrp="1"/>
+          </p:cNvSpPr>
+          <p:nvPr>
+            <p:ph type="title"/>
+          </p:nvPr>
+        </p:nvSpPr>
+        <p:spPr/>
+        <p:txBody>
+          <a:bodyPr/>
+          <a:lstStyle/>
+          <a:p>
+            <a:r>
+              <a:rPr lang="en-US" dirty="0"/>
+              <a:t>Now you can check all REST API using </a:t>
+            </a:r>
+          </a:p>
+        </p:txBody>
+      </p:sp>
+      <p:sp>
+        <p:nvSpPr>
+          <p:cNvPr id="3" name="Content Placeholder 2"/>
+          <p:cNvSpPr>
+            <a:spLocks noGrp="1"/>
+          </p:cNvSpPr>
+          <p:nvPr>
+            <p:ph idx="1"/>
+          </p:nvPr>
+        </p:nvSpPr>
+        <p:spPr/>
+        <p:txBody>
+          <a:bodyPr/>
+          <a:lstStyle/>
+          <a:p>
+            <a:r>
+              <a:rPr lang="en-US" dirty="0"/>
+              <a:t>REST client </a:t>
+            </a:r>
+          </a:p>
+          <a:p>
+            <a:r>
+              <a:rPr lang="en-US" dirty="0"/>
+              <a:t>POST Man tool </a:t>
+            </a:r>
+          </a:p>
+          <a:p>
+            <a:r>
+              <a:rPr lang="en-US" dirty="0"/>
+              <a:t>Command line client as </a:t>
+            </a:r>
+            <a:r>
+              <a:rPr lang="en-US" dirty="0" err="1"/>
+              <a:t>Git</a:t>
+            </a:r>
+            <a:r>
+              <a:rPr lang="en-US" dirty="0"/>
+              <a:t> </a:t>
+            </a:r>
+          </a:p>
+          <a:p>
+            <a:r>
+              <a:rPr lang="en-US" dirty="0"/>
+              <a:t>So we are using </a:t>
+            </a:r>
+            <a:r>
+              <a:rPr lang="en-US" dirty="0" err="1"/>
+              <a:t>Git</a:t>
+            </a:r>
+            <a:r>
+              <a:rPr lang="en-US" dirty="0"/>
+              <a:t> command prompt with CRL command to verify all rest API. </a:t>
+            </a:r>
+          </a:p>
+        </p:txBody>
+      </p:sp>
+    </p:spTree>
+    <p:extLst>
+      <p:ext uri="{BB962C8B-B14F-4D97-AF65-F5344CB8AC3E}">
+        <p14:creationId xmlns:p14="http://schemas.microsoft.com/office/powerpoint/2010/main" val="1891184082"/>
+      </p:ext>
+    </p:extLst>
+  </p:cSld>
+  <p:clrMapOvr>
+    <a:masterClrMapping/>
+  </p:clrMapOvr>
+</p:sld>
+</file>
+
+<file path=ppt/slides/slide14.xml><?xml version="1.0" encoding="utf-8"?>
+<p:sld xmlns:a="http://schemas.openxmlformats.org/drawingml/2006/main" xmlns:r="http://schemas.openxmlformats.org/officeDocument/2006/relationships" xmlns:p="http://schemas.openxmlformats.org/presentationml/2006/main">
+  <p:cSld>
+    <p:spTree>
+      <p:nvGrpSpPr>
+        <p:cNvPr id="1" name=""/>
+        <p:cNvGrpSpPr/>
+        <p:nvPr/>
+      </p:nvGrpSpPr>
+      <p:grpSpPr>
+        <a:xfrm>
+          <a:off x="0" y="0"/>
+          <a:ext cx="0" cy="0"/>
+          <a:chOff x="0" y="0"/>
+          <a:chExt cx="0" cy="0"/>
+        </a:xfrm>
+      </p:grpSpPr>
+      <p:sp>
+        <p:nvSpPr>
+          <p:cNvPr id="2" name="Title 1">
+            <a:extLst>
+              <a:ext uri="{FF2B5EF4-FFF2-40B4-BE49-F238E27FC236}">
                 <a16:creationId xmlns:a16="http://schemas.microsoft.com/office/drawing/2014/main" id="{D071F887-E564-DFF8-43D8-80A8232AFD5D}"/>
               </a:ext>
             </a:extLst>
@@ -3103,7 +3522,7 @@
 </p:sld>
 </file>
 
-<file path=ppt/slides/slide11.xml><?xml version="1.0" encoding="utf-8"?>
+<file path=ppt/slides/slide15.xml><?xml version="1.0" encoding="utf-8"?>
 <p:sld xmlns:a="http://schemas.openxmlformats.org/drawingml/2006/main" xmlns:r="http://schemas.openxmlformats.org/officeDocument/2006/relationships" xmlns:p="http://schemas.openxmlformats.org/presentationml/2006/main">
   <p:cSld>
     <p:spTree>
@@ -3197,7 +3616,7 @@
 </p:sld>
 </file>
 
-<file path=ppt/slides/slide12.xml><?xml version="1.0" encoding="utf-8"?>
+<file path=ppt/slides/slide16.xml><?xml version="1.0" encoding="utf-8"?>
 <p:sld xmlns:a="http://schemas.openxmlformats.org/drawingml/2006/main" xmlns:r="http://schemas.openxmlformats.org/officeDocument/2006/relationships" xmlns:p="http://schemas.openxmlformats.org/presentationml/2006/main">
   <p:cSld>
     <p:spTree>
@@ -3340,7 +3759,7 @@
 </p:sld>
 </file>
 
-<file path=ppt/slides/slide13.xml><?xml version="1.0" encoding="utf-8"?>
+<file path=ppt/slides/slide17.xml><?xml version="1.0" encoding="utf-8"?>
 <p:sld xmlns:a="http://schemas.openxmlformats.org/drawingml/2006/main" xmlns:r="http://schemas.openxmlformats.org/officeDocument/2006/relationships" xmlns:p="http://schemas.openxmlformats.org/presentationml/2006/main">
   <p:cSld>
     <p:spTree>
@@ -3434,7 +3853,7 @@
 </p:sld>
 </file>
 
-<file path=ppt/slides/slide14.xml><?xml version="1.0" encoding="utf-8"?>
+<file path=ppt/slides/slide18.xml><?xml version="1.0" encoding="utf-8"?>
 <p:sld xmlns:a="http://schemas.openxmlformats.org/drawingml/2006/main" xmlns:r="http://schemas.openxmlformats.org/officeDocument/2006/relationships" xmlns:p="http://schemas.openxmlformats.org/presentationml/2006/main">
   <p:cSld>
     <p:spTree>
@@ -3529,7 +3948,7 @@
 </p:sld>
 </file>
 
-<file path=ppt/slides/slide15.xml><?xml version="1.0" encoding="utf-8"?>
+<file path=ppt/slides/slide19.xml><?xml version="1.0" encoding="utf-8"?>
 <p:sld xmlns:a="http://schemas.openxmlformats.org/drawingml/2006/main" xmlns:r="http://schemas.openxmlformats.org/officeDocument/2006/relationships" xmlns:p="http://schemas.openxmlformats.org/presentationml/2006/main">
   <p:cSld>
     <p:spTree>
@@ -3634,7 +4053,181 @@
 </p:sld>
 </file>
 
-<file path=ppt/slides/slide16.xml><?xml version="1.0" encoding="utf-8"?>
+<file path=ppt/slides/slide2.xml><?xml version="1.0" encoding="utf-8"?>
+<p:sld xmlns:a="http://schemas.openxmlformats.org/drawingml/2006/main" xmlns:r="http://schemas.openxmlformats.org/officeDocument/2006/relationships" xmlns:p="http://schemas.openxmlformats.org/presentationml/2006/main">
+  <p:cSld>
+    <p:spTree>
+      <p:nvGrpSpPr>
+        <p:cNvPr id="1" name=""/>
+        <p:cNvGrpSpPr/>
+        <p:nvPr/>
+      </p:nvGrpSpPr>
+      <p:grpSpPr>
+        <a:xfrm>
+          <a:off x="0" y="0"/>
+          <a:ext cx="0" cy="0"/>
+          <a:chOff x="0" y="0"/>
+          <a:chExt cx="0" cy="0"/>
+        </a:xfrm>
+      </p:grpSpPr>
+      <p:sp>
+        <p:nvSpPr>
+          <p:cNvPr id="2" name="Title 1"/>
+          <p:cNvSpPr>
+            <a:spLocks noGrp="1"/>
+          </p:cNvSpPr>
+          <p:nvPr>
+            <p:ph type="title"/>
+          </p:nvPr>
+        </p:nvSpPr>
+        <p:spPr/>
+        <p:txBody>
+          <a:bodyPr/>
+          <a:lstStyle/>
+          <a:p>
+            <a:r>
+              <a:rPr lang="en-US" dirty="0"/>
+              <a:t>Technologies use </a:t>
+            </a:r>
+          </a:p>
+        </p:txBody>
+      </p:sp>
+      <p:sp>
+        <p:nvSpPr>
+          <p:cNvPr id="3" name="Content Placeholder 2"/>
+          <p:cNvSpPr>
+            <a:spLocks noGrp="1"/>
+          </p:cNvSpPr>
+          <p:nvPr>
+            <p:ph idx="1"/>
+          </p:nvPr>
+        </p:nvSpPr>
+        <p:spPr/>
+        <p:txBody>
+          <a:bodyPr>
+            <a:normAutofit lnSpcReduction="10000"/>
+          </a:bodyPr>
+          <a:lstStyle/>
+          <a:p>
+            <a:r>
+              <a:rPr lang="en-US" dirty="0"/>
+              <a:t>Node JS </a:t>
+            </a:r>
+          </a:p>
+          <a:p>
+            <a:r>
+              <a:rPr lang="en-US" dirty="0"/>
+              <a:t>Express JS module </a:t>
+            </a:r>
+          </a:p>
+          <a:p>
+            <a:r>
+              <a:rPr lang="en-US" dirty="0" err="1"/>
+              <a:t>axios</a:t>
+            </a:r>
+            <a:r>
+              <a:rPr lang="en-US" dirty="0"/>
+              <a:t> modules </a:t>
+            </a:r>
+          </a:p>
+          <a:p>
+            <a:r>
+              <a:rPr lang="en-US" dirty="0" err="1"/>
+              <a:t>Nodemon</a:t>
+            </a:r>
+            <a:r>
+              <a:rPr lang="en-US" dirty="0"/>
+              <a:t> module </a:t>
+            </a:r>
+          </a:p>
+          <a:p>
+            <a:r>
+              <a:rPr lang="en-US" dirty="0"/>
+              <a:t>And third party provided the access key to access rest </a:t>
+            </a:r>
+            <a:r>
+              <a:rPr lang="en-US" dirty="0" err="1"/>
+              <a:t>api</a:t>
+            </a:r>
+            <a:r>
+              <a:rPr lang="en-US" dirty="0"/>
+              <a:t>. </a:t>
+            </a:r>
+          </a:p>
+          <a:p>
+            <a:pPr lvl="1"/>
+            <a:r>
+              <a:rPr lang="en-IN" b="1" i="0" dirty="0">
+                <a:effectLst/>
+                <a:latin typeface="Söhne"/>
+              </a:rPr>
+              <a:t>Alpha Vantage</a:t>
+            </a:r>
+          </a:p>
+          <a:p>
+            <a:pPr lvl="1"/>
+            <a:r>
+              <a:rPr lang="en-IN" b="1" i="0" dirty="0">
+                <a:effectLst/>
+                <a:latin typeface="Söhne"/>
+              </a:rPr>
+              <a:t>IEX Cloud	</a:t>
+            </a:r>
+          </a:p>
+          <a:p>
+            <a:pPr lvl="1"/>
+            <a:r>
+              <a:rPr lang="en-IN" b="1" i="0" dirty="0" err="1">
+                <a:effectLst/>
+                <a:latin typeface="Söhne"/>
+              </a:rPr>
+              <a:t>Finnhub</a:t>
+            </a:r>
+            <a:endParaRPr lang="en-IN" b="1" i="0" dirty="0">
+              <a:effectLst/>
+              <a:latin typeface="Söhne"/>
+            </a:endParaRPr>
+          </a:p>
+          <a:p>
+            <a:pPr lvl="1"/>
+            <a:r>
+              <a:rPr lang="en-IN" b="1" i="0" dirty="0">
+                <a:effectLst/>
+                <a:latin typeface="Söhne"/>
+              </a:rPr>
+              <a:t>Polygon.io</a:t>
+            </a:r>
+          </a:p>
+          <a:p>
+            <a:r>
+              <a:rPr lang="en-US" dirty="0"/>
+              <a:t>In this project we are using </a:t>
+            </a:r>
+            <a:r>
+              <a:rPr lang="en-US" dirty="0" err="1"/>
+              <a:t>Finnhub.api</a:t>
+            </a:r>
+            <a:r>
+              <a:rPr lang="en-US" dirty="0"/>
+              <a:t> </a:t>
+            </a:r>
+          </a:p>
+        </p:txBody>
+      </p:sp>
+    </p:spTree>
+    <p:extLst>
+      <p:ext uri="{BB962C8B-B14F-4D97-AF65-F5344CB8AC3E}">
+        <p14:creationId xmlns:p14="http://schemas.microsoft.com/office/powerpoint/2010/main" val="2498144366"/>
+      </p:ext>
+    </p:extLst>
+  </p:cSld>
+  <p:clrMapOvr>
+    <a:masterClrMapping/>
+  </p:clrMapOvr>
+</p:sld>
+</file>
+
+<file path=ppt/slides/slide20.xml><?xml version="1.0" encoding="utf-8"?>
 <p:sld xmlns:a="http://schemas.openxmlformats.org/drawingml/2006/main" xmlns:r="http://schemas.openxmlformats.org/officeDocument/2006/relationships" xmlns:p="http://schemas.openxmlformats.org/presentationml/2006/main">
   <p:cSld>
     <p:spTree>
@@ -3728,7 +4321,7 @@
 </p:sld>
 </file>
 
-<file path=ppt/slides/slide17.xml><?xml version="1.0" encoding="utf-8"?>
+<file path=ppt/slides/slide21.xml><?xml version="1.0" encoding="utf-8"?>
 <p:sld xmlns:a="http://schemas.openxmlformats.org/drawingml/2006/main" xmlns:r="http://schemas.openxmlformats.org/officeDocument/2006/relationships" xmlns:p="http://schemas.openxmlformats.org/presentationml/2006/main">
   <p:cSld>
     <p:spTree>
@@ -3828,7 +4421,7 @@
 </p:sld>
 </file>
 
-<file path=ppt/slides/slide18.xml><?xml version="1.0" encoding="utf-8"?>
+<file path=ppt/slides/slide22.xml><?xml version="1.0" encoding="utf-8"?>
 <p:sld xmlns:a="http://schemas.openxmlformats.org/drawingml/2006/main" xmlns:r="http://schemas.openxmlformats.org/officeDocument/2006/relationships" xmlns:p="http://schemas.openxmlformats.org/presentationml/2006/main">
   <p:cSld>
     <p:spTree>
@@ -3931,7 +4524,7 @@
 </p:sld>
 </file>
 
-<file path=ppt/slides/slide19.xml><?xml version="1.0" encoding="utf-8"?>
+<file path=ppt/slides/slide23.xml><?xml version="1.0" encoding="utf-8"?>
 <p:sld xmlns:a="http://schemas.openxmlformats.org/drawingml/2006/main" xmlns:r="http://schemas.openxmlformats.org/officeDocument/2006/relationships" xmlns:p="http://schemas.openxmlformats.org/presentationml/2006/main">
   <p:cSld>
     <p:spTree>
@@ -4022,180 +4615,6 @@
     <p:extLst>
       <p:ext uri="{BB962C8B-B14F-4D97-AF65-F5344CB8AC3E}">
         <p14:creationId xmlns:p14="http://schemas.microsoft.com/office/powerpoint/2010/main" val="3720357754"/>
-      </p:ext>
-    </p:extLst>
-  </p:cSld>
-  <p:clrMapOvr>
-    <a:masterClrMapping/>
-  </p:clrMapOvr>
-</p:sld>
-</file>
-
-<file path=ppt/slides/slide2.xml><?xml version="1.0" encoding="utf-8"?>
-<p:sld xmlns:a="http://schemas.openxmlformats.org/drawingml/2006/main" xmlns:r="http://schemas.openxmlformats.org/officeDocument/2006/relationships" xmlns:p="http://schemas.openxmlformats.org/presentationml/2006/main">
-  <p:cSld>
-    <p:spTree>
-      <p:nvGrpSpPr>
-        <p:cNvPr id="1" name=""/>
-        <p:cNvGrpSpPr/>
-        <p:nvPr/>
-      </p:nvGrpSpPr>
-      <p:grpSpPr>
-        <a:xfrm>
-          <a:off x="0" y="0"/>
-          <a:ext cx="0" cy="0"/>
-          <a:chOff x="0" y="0"/>
-          <a:chExt cx="0" cy="0"/>
-        </a:xfrm>
-      </p:grpSpPr>
-      <p:sp>
-        <p:nvSpPr>
-          <p:cNvPr id="2" name="Title 1"/>
-          <p:cNvSpPr>
-            <a:spLocks noGrp="1"/>
-          </p:cNvSpPr>
-          <p:nvPr>
-            <p:ph type="title"/>
-          </p:nvPr>
-        </p:nvSpPr>
-        <p:spPr/>
-        <p:txBody>
-          <a:bodyPr/>
-          <a:lstStyle/>
-          <a:p>
-            <a:r>
-              <a:rPr lang="en-US" dirty="0"/>
-              <a:t>Technologies use </a:t>
-            </a:r>
-          </a:p>
-        </p:txBody>
-      </p:sp>
-      <p:sp>
-        <p:nvSpPr>
-          <p:cNvPr id="3" name="Content Placeholder 2"/>
-          <p:cNvSpPr>
-            <a:spLocks noGrp="1"/>
-          </p:cNvSpPr>
-          <p:nvPr>
-            <p:ph idx="1"/>
-          </p:nvPr>
-        </p:nvSpPr>
-        <p:spPr/>
-        <p:txBody>
-          <a:bodyPr>
-            <a:normAutofit lnSpcReduction="10000"/>
-          </a:bodyPr>
-          <a:lstStyle/>
-          <a:p>
-            <a:r>
-              <a:rPr lang="en-US" dirty="0"/>
-              <a:t>Node JS </a:t>
-            </a:r>
-          </a:p>
-          <a:p>
-            <a:r>
-              <a:rPr lang="en-US" dirty="0"/>
-              <a:t>Express JS module </a:t>
-            </a:r>
-          </a:p>
-          <a:p>
-            <a:r>
-              <a:rPr lang="en-US" dirty="0" err="1"/>
-              <a:t>axios</a:t>
-            </a:r>
-            <a:r>
-              <a:rPr lang="en-US" dirty="0"/>
-              <a:t> modules </a:t>
-            </a:r>
-          </a:p>
-          <a:p>
-            <a:r>
-              <a:rPr lang="en-US" dirty="0" err="1"/>
-              <a:t>Nodemon</a:t>
-            </a:r>
-            <a:r>
-              <a:rPr lang="en-US" dirty="0"/>
-              <a:t> module </a:t>
-            </a:r>
-          </a:p>
-          <a:p>
-            <a:r>
-              <a:rPr lang="en-US" dirty="0"/>
-              <a:t>And third party provided the access key to access rest </a:t>
-            </a:r>
-            <a:r>
-              <a:rPr lang="en-US" dirty="0" err="1"/>
-              <a:t>api</a:t>
-            </a:r>
-            <a:r>
-              <a:rPr lang="en-US" dirty="0"/>
-              <a:t>. </a:t>
-            </a:r>
-          </a:p>
-          <a:p>
-            <a:pPr lvl="1"/>
-            <a:r>
-              <a:rPr lang="en-IN" b="1" i="0" dirty="0">
-                <a:effectLst/>
-                <a:latin typeface="Söhne"/>
-              </a:rPr>
-              <a:t>Alpha Vantage</a:t>
-            </a:r>
-          </a:p>
-          <a:p>
-            <a:pPr lvl="1"/>
-            <a:r>
-              <a:rPr lang="en-IN" b="1" i="0" dirty="0">
-                <a:effectLst/>
-                <a:latin typeface="Söhne"/>
-              </a:rPr>
-              <a:t>IEX Cloud	</a:t>
-            </a:r>
-          </a:p>
-          <a:p>
-            <a:pPr lvl="1"/>
-            <a:r>
-              <a:rPr lang="en-IN" b="1" i="0" dirty="0" err="1">
-                <a:effectLst/>
-                <a:latin typeface="Söhne"/>
-              </a:rPr>
-              <a:t>Finnhub</a:t>
-            </a:r>
-            <a:endParaRPr lang="en-IN" b="1" i="0" dirty="0">
-              <a:effectLst/>
-              <a:latin typeface="Söhne"/>
-            </a:endParaRPr>
-          </a:p>
-          <a:p>
-            <a:pPr lvl="1"/>
-            <a:r>
-              <a:rPr lang="en-IN" b="1" i="0" dirty="0">
-                <a:effectLst/>
-                <a:latin typeface="Söhne"/>
-              </a:rPr>
-              <a:t>Polygon.io</a:t>
-            </a:r>
-          </a:p>
-          <a:p>
-            <a:r>
-              <a:rPr lang="en-US" dirty="0"/>
-              <a:t>In this project we are using </a:t>
-            </a:r>
-            <a:r>
-              <a:rPr lang="en-US" dirty="0" err="1"/>
-              <a:t>Finnhub.api</a:t>
-            </a:r>
-            <a:r>
-              <a:rPr lang="en-US" dirty="0"/>
-              <a:t> </a:t>
-            </a:r>
-          </a:p>
-        </p:txBody>
-      </p:sp>
-    </p:spTree>
-    <p:extLst>
-      <p:ext uri="{BB962C8B-B14F-4D97-AF65-F5344CB8AC3E}">
-        <p14:creationId xmlns:p14="http://schemas.microsoft.com/office/powerpoint/2010/main" val="2498144366"/>
       </p:ext>
     </p:extLst>
   </p:cSld>
@@ -4725,7 +5144,13 @@
       </p:grpSpPr>
       <p:sp>
         <p:nvSpPr>
-          <p:cNvPr id="2" name="Title 1"/>
+          <p:cNvPr id="2" name="Title 1">
+            <a:extLst>
+              <a:ext uri="{FF2B5EF4-FFF2-40B4-BE49-F238E27FC236}">
+                <a16:creationId xmlns:a16="http://schemas.microsoft.com/office/drawing/2014/main" id="{A68D60B0-4CC5-F109-455D-909BF20A1071}"/>
+              </a:ext>
+            </a:extLst>
+          </p:cNvPr>
           <p:cNvSpPr>
             <a:spLocks noGrp="1"/>
           </p:cNvSpPr>
@@ -4739,76 +5164,27 @@
           <a:lstStyle/>
           <a:p>
             <a:r>
-              <a:rPr lang="en-US" dirty="0"/>
-              <a:t>Now run the app.js file using command as </a:t>
-            </a:r>
-          </a:p>
-        </p:txBody>
-      </p:sp>
-      <p:sp>
-        <p:nvSpPr>
-          <p:cNvPr id="3" name="Content Placeholder 2"/>
-          <p:cNvSpPr>
-            <a:spLocks noGrp="1"/>
-          </p:cNvSpPr>
-          <p:nvPr>
-            <p:ph idx="1"/>
-          </p:nvPr>
-        </p:nvSpPr>
-        <p:spPr>
-          <a:xfrm>
-            <a:off x="838200" y="1825625"/>
-            <a:ext cx="10347036" cy="1148484"/>
-          </a:xfrm>
-        </p:spPr>
-        <p:txBody>
-          <a:bodyPr/>
-          <a:lstStyle/>
-          <a:p>
-            <a:r>
-              <a:rPr lang="en-US" dirty="0"/>
-              <a:t>node app.js 	or      </a:t>
-            </a:r>
-            <a:r>
-              <a:rPr lang="en-US" dirty="0" err="1"/>
-              <a:t>nodemon</a:t>
-            </a:r>
-            <a:r>
-              <a:rPr lang="en-US" dirty="0"/>
-              <a:t> app.js (before running this command install </a:t>
-            </a:r>
-            <a:r>
-              <a:rPr lang="en-US" dirty="0" err="1"/>
-              <a:t>npm</a:t>
-            </a:r>
-            <a:r>
-              <a:rPr lang="en-US" dirty="0"/>
-              <a:t> install –g </a:t>
-            </a:r>
-            <a:r>
-              <a:rPr lang="en-US" dirty="0" err="1"/>
-              <a:t>nodemon</a:t>
-            </a:r>
-            <a:r>
-              <a:rPr lang="en-US" dirty="0"/>
-              <a:t> </a:t>
+              <a:rPr lang="en-IN" dirty="0"/>
+              <a:t>Open the stockModel.js file and create token and write it </a:t>
             </a:r>
           </a:p>
         </p:txBody>
       </p:sp>
       <p:pic>
         <p:nvPicPr>
-          <p:cNvPr id="6" name="Picture 5">
+          <p:cNvPr id="5" name="Content Placeholder 4">
             <a:extLst>
               <a:ext uri="{FF2B5EF4-FFF2-40B4-BE49-F238E27FC236}">
-                <a16:creationId xmlns:a16="http://schemas.microsoft.com/office/drawing/2014/main" id="{87A93331-9445-1AE1-B1E6-C8FEC64C9944}"/>
+                <a16:creationId xmlns:a16="http://schemas.microsoft.com/office/drawing/2014/main" id="{7048F783-D0C6-CE50-81F3-6B87354127C1}"/>
               </a:ext>
             </a:extLst>
           </p:cNvPr>
           <p:cNvPicPr>
-            <a:picLocks noChangeAspect="1"/>
+            <a:picLocks noGrp="1" noChangeAspect="1"/>
           </p:cNvPicPr>
-          <p:nvPr/>
+          <p:nvPr>
+            <p:ph idx="1"/>
+          </p:nvPr>
         </p:nvPicPr>
         <p:blipFill>
           <a:blip r:embed="rId2"/>
@@ -4818,18 +5194,15 @@
         </p:blipFill>
         <p:spPr>
           <a:xfrm>
-            <a:off x="1244350" y="3291049"/>
-            <a:ext cx="9703299" cy="2540131"/>
+            <a:off x="2184031" y="1825625"/>
+            <a:ext cx="7823938" cy="4351338"/>
           </a:xfrm>
-          <a:prstGeom prst="rect">
-            <a:avLst/>
-          </a:prstGeom>
         </p:spPr>
       </p:pic>
     </p:spTree>
     <p:extLst>
       <p:ext uri="{BB962C8B-B14F-4D97-AF65-F5344CB8AC3E}">
-        <p14:creationId xmlns:p14="http://schemas.microsoft.com/office/powerpoint/2010/main" val="3193240903"/>
+        <p14:creationId xmlns:p14="http://schemas.microsoft.com/office/powerpoint/2010/main" val="4067990801"/>
       </p:ext>
     </p:extLst>
   </p:cSld>
@@ -4858,7 +5231,13 @@
       </p:grpSpPr>
       <p:sp>
         <p:nvSpPr>
-          <p:cNvPr id="2" name="Title 1"/>
+          <p:cNvPr id="2" name="Title 1">
+            <a:extLst>
+              <a:ext uri="{FF2B5EF4-FFF2-40B4-BE49-F238E27FC236}">
+                <a16:creationId xmlns:a16="http://schemas.microsoft.com/office/drawing/2014/main" id="{27A2BB53-202C-F57C-F0E5-D48E86089C2E}"/>
+              </a:ext>
+            </a:extLst>
+          </p:cNvPr>
           <p:cNvSpPr>
             <a:spLocks noGrp="1"/>
           </p:cNvSpPr>
@@ -4872,72 +5251,56 @@
           <a:lstStyle/>
           <a:p>
             <a:r>
-              <a:rPr lang="en-US" dirty="0"/>
-              <a:t>Now you can check all REST API using </a:t>
-            </a:r>
-          </a:p>
-        </p:txBody>
-      </p:sp>
-      <p:sp>
-        <p:nvSpPr>
-          <p:cNvPr id="3" name="Content Placeholder 2"/>
-          <p:cNvSpPr>
-            <a:spLocks noGrp="1"/>
-          </p:cNvSpPr>
+              <a:rPr lang="en-IN" dirty="0"/>
+              <a:t>Generating token. Open the website </a:t>
+            </a:r>
+            <a:br>
+              <a:rPr lang="en-IN" dirty="0"/>
+            </a:br>
+            <a:r>
+              <a:rPr lang="en-IN" dirty="0" err="1"/>
+              <a:t>ie</a:t>
+            </a:r>
+            <a:r>
+              <a:rPr lang="en-IN" dirty="0"/>
+              <a:t> https://finnhub.io/</a:t>
+            </a:r>
+          </a:p>
+        </p:txBody>
+      </p:sp>
+      <p:pic>
+        <p:nvPicPr>
+          <p:cNvPr id="5" name="Content Placeholder 4">
+            <a:extLst>
+              <a:ext uri="{FF2B5EF4-FFF2-40B4-BE49-F238E27FC236}">
+                <a16:creationId xmlns:a16="http://schemas.microsoft.com/office/drawing/2014/main" id="{316E04FC-5049-6895-EFAB-6C65BBBD9DC4}"/>
+              </a:ext>
+            </a:extLst>
+          </p:cNvPr>
+          <p:cNvPicPr>
+            <a:picLocks noGrp="1" noChangeAspect="1"/>
+          </p:cNvPicPr>
           <p:nvPr>
             <p:ph idx="1"/>
           </p:nvPr>
-        </p:nvSpPr>
-        <p:spPr/>
-        <p:txBody>
-          <a:bodyPr/>
-          <a:lstStyle/>
-          <a:p>
-            <a:r>
-              <a:rPr lang="en-US" dirty="0"/>
-              <a:t>REST client </a:t>
-            </a:r>
-          </a:p>
-          <a:p>
-            <a:r>
-              <a:rPr lang="en-US" dirty="0"/>
-              <a:t>POST Man tool </a:t>
-            </a:r>
-          </a:p>
-          <a:p>
-            <a:r>
-              <a:rPr lang="en-US" dirty="0"/>
-              <a:t>Command line client as </a:t>
-            </a:r>
-            <a:r>
-              <a:rPr lang="en-US" dirty="0" err="1"/>
-              <a:t>Git</a:t>
-            </a:r>
-            <a:r>
-              <a:rPr lang="en-US" dirty="0"/>
-              <a:t> </a:t>
-            </a:r>
-          </a:p>
-          <a:p>
-            <a:r>
-              <a:rPr lang="en-US" dirty="0"/>
-              <a:t>So we are using </a:t>
-            </a:r>
-            <a:r>
-              <a:rPr lang="en-US" dirty="0" err="1"/>
-              <a:t>Git</a:t>
-            </a:r>
-            <a:r>
-              <a:rPr lang="en-US" dirty="0"/>
-              <a:t> command prompt with CRL command to verify all rest API. </a:t>
-            </a:r>
-          </a:p>
-        </p:txBody>
-      </p:sp>
+        </p:nvPicPr>
+        <p:blipFill>
+          <a:blip r:embed="rId2"/>
+          <a:stretch>
+            <a:fillRect/>
+          </a:stretch>
+        </p:blipFill>
+        <p:spPr>
+          <a:xfrm>
+            <a:off x="1660982" y="1825625"/>
+            <a:ext cx="8870036" cy="4351338"/>
+          </a:xfrm>
+        </p:spPr>
+      </p:pic>
     </p:spTree>
     <p:extLst>
       <p:ext uri="{BB962C8B-B14F-4D97-AF65-F5344CB8AC3E}">
-        <p14:creationId xmlns:p14="http://schemas.microsoft.com/office/powerpoint/2010/main" val="1891184082"/>
+        <p14:creationId xmlns:p14="http://schemas.microsoft.com/office/powerpoint/2010/main" val="4273593162"/>
       </p:ext>
     </p:extLst>
   </p:cSld>
